--- a/Prezenatce/00_RISC-CISC_white.pptx
+++ b/Prezenatce/00_RISC-CISC_white.pptx
@@ -337,7 +337,7 @@
           <a:p>
             <a:fld id="{34D7A71B-1D7D-4A0A-812E-C4AFC78862C9}" type="datetimeFigureOut">
               <a:rPr lang="en-US" smtClean="0"/>
-              <a:t>6/10/2025</a:t>
+              <a:t>6/11/2025</a:t>
             </a:fld>
             <a:endParaRPr lang="en-US"/>
           </a:p>
@@ -518,7 +518,7 @@
           <a:p>
             <a:fld id="{841957C9-6F4C-4461-846C-A24FE1177DF7}" type="datetimeFigureOut">
               <a:rPr lang="en-US" smtClean="0"/>
-              <a:t>6/10/2025</a:t>
+              <a:t>6/11/2025</a:t>
             </a:fld>
             <a:endParaRPr lang="en-US"/>
           </a:p>
@@ -846,7 +846,7 @@
           <a:noFill/>
           <a:extLst>
             <a:ext uri="{909E8E84-426E-40dd-AFC4-6F175D3DCCD1}">
-              <a14:hiddenFill xmlns:a14="http://schemas.microsoft.com/office/drawing/2010/main" xmlns="">
+              <a14:hiddenFill xmlns="" xmlns:a14="http://schemas.microsoft.com/office/drawing/2010/main">
                 <a:solidFill>
                   <a:srgbClr val="FFFFFF"/>
                 </a:solidFill>
@@ -905,7 +905,7 @@
             </a:ln>
             <a:extLst>
               <a:ext uri="{91240B29-F687-4f45-9708-019B960494DF}">
-                <a14:hiddenLine xmlns:a14="http://schemas.microsoft.com/office/drawing/2010/main" xmlns="" w="9525">
+                <a14:hiddenLine xmlns="" xmlns:a14="http://schemas.microsoft.com/office/drawing/2010/main" w="9525">
                   <a:solidFill>
                     <a:srgbClr val="000000"/>
                   </a:solidFill>
@@ -995,7 +995,7 @@
             </a:ln>
             <a:extLst>
               <a:ext uri="{91240B29-F687-4f45-9708-019B960494DF}">
-                <a14:hiddenLine xmlns:a14="http://schemas.microsoft.com/office/drawing/2010/main" xmlns="" w="9525">
+                <a14:hiddenLine xmlns="" xmlns:a14="http://schemas.microsoft.com/office/drawing/2010/main" w="9525">
                   <a:solidFill>
                     <a:srgbClr val="000000"/>
                   </a:solidFill>
@@ -1085,7 +1085,7 @@
             </a:ln>
             <a:extLst>
               <a:ext uri="{91240B29-F687-4f45-9708-019B960494DF}">
-                <a14:hiddenLine xmlns:a14="http://schemas.microsoft.com/office/drawing/2010/main" xmlns="" w="9525">
+                <a14:hiddenLine xmlns="" xmlns:a14="http://schemas.microsoft.com/office/drawing/2010/main" w="9525">
                   <a:solidFill>
                     <a:srgbClr val="000000"/>
                   </a:solidFill>
@@ -1119,7 +1119,7 @@
             </a:ln>
             <a:extLst>
               <a:ext uri="{91240B29-F687-4f45-9708-019B960494DF}">
-                <a14:hiddenLine xmlns:a14="http://schemas.microsoft.com/office/drawing/2010/main" xmlns="" w="9525">
+                <a14:hiddenLine xmlns="" xmlns:a14="http://schemas.microsoft.com/office/drawing/2010/main" w="9525">
                   <a:solidFill>
                     <a:srgbClr val="000000"/>
                   </a:solidFill>
@@ -1209,7 +1209,7 @@
             </a:ln>
             <a:extLst>
               <a:ext uri="{91240B29-F687-4f45-9708-019B960494DF}">
-                <a14:hiddenLine xmlns:a14="http://schemas.microsoft.com/office/drawing/2010/main" xmlns="" w="9525">
+                <a14:hiddenLine xmlns="" xmlns:a14="http://schemas.microsoft.com/office/drawing/2010/main" w="9525">
                   <a:solidFill>
                     <a:srgbClr val="000000"/>
                   </a:solidFill>
@@ -1271,7 +1271,7 @@
             </a:ln>
             <a:extLst>
               <a:ext uri="{91240B29-F687-4f45-9708-019B960494DF}">
-                <a14:hiddenLine xmlns:a14="http://schemas.microsoft.com/office/drawing/2010/main" xmlns="" w="9525">
+                <a14:hiddenLine xmlns="" xmlns:a14="http://schemas.microsoft.com/office/drawing/2010/main" w="9525">
                   <a:solidFill>
                     <a:srgbClr val="000000"/>
                   </a:solidFill>
@@ -1333,7 +1333,7 @@
             </a:ln>
             <a:extLst>
               <a:ext uri="{91240B29-F687-4f45-9708-019B960494DF}">
-                <a14:hiddenLine xmlns:a14="http://schemas.microsoft.com/office/drawing/2010/main" xmlns="" w="9525">
+                <a14:hiddenLine xmlns="" xmlns:a14="http://schemas.microsoft.com/office/drawing/2010/main" w="9525">
                   <a:solidFill>
                     <a:srgbClr val="000000"/>
                   </a:solidFill>
@@ -1423,7 +1423,7 @@
             </a:ln>
             <a:extLst>
               <a:ext uri="{91240B29-F687-4f45-9708-019B960494DF}">
-                <a14:hiddenLine xmlns:a14="http://schemas.microsoft.com/office/drawing/2010/main" xmlns="" w="9525">
+                <a14:hiddenLine xmlns="" xmlns:a14="http://schemas.microsoft.com/office/drawing/2010/main" w="9525">
                   <a:solidFill>
                     <a:srgbClr val="000000"/>
                   </a:solidFill>
@@ -1485,7 +1485,7 @@
             </a:ln>
             <a:extLst>
               <a:ext uri="{91240B29-F687-4f45-9708-019B960494DF}">
-                <a14:hiddenLine xmlns:a14="http://schemas.microsoft.com/office/drawing/2010/main" xmlns="" w="9525">
+                <a14:hiddenLine xmlns="" xmlns:a14="http://schemas.microsoft.com/office/drawing/2010/main" w="9525">
                   <a:solidFill>
                     <a:srgbClr val="000000"/>
                   </a:solidFill>
@@ -1547,7 +1547,7 @@
             </a:ln>
             <a:extLst>
               <a:ext uri="{91240B29-F687-4f45-9708-019B960494DF}">
-                <a14:hiddenLine xmlns:a14="http://schemas.microsoft.com/office/drawing/2010/main" xmlns="" w="9525">
+                <a14:hiddenLine xmlns="" xmlns:a14="http://schemas.microsoft.com/office/drawing/2010/main" w="9525">
                   <a:solidFill>
                     <a:srgbClr val="000000"/>
                   </a:solidFill>
@@ -1637,7 +1637,7 @@
             </a:ln>
             <a:extLst>
               <a:ext uri="{91240B29-F687-4f45-9708-019B960494DF}">
-                <a14:hiddenLine xmlns:a14="http://schemas.microsoft.com/office/drawing/2010/main" xmlns="" w="9525">
+                <a14:hiddenLine xmlns="" xmlns:a14="http://schemas.microsoft.com/office/drawing/2010/main" w="9525">
                   <a:solidFill>
                     <a:srgbClr val="000000"/>
                   </a:solidFill>
@@ -1727,7 +1727,7 @@
             </a:ln>
             <a:extLst>
               <a:ext uri="{91240B29-F687-4f45-9708-019B960494DF}">
-                <a14:hiddenLine xmlns:a14="http://schemas.microsoft.com/office/drawing/2010/main" xmlns="" w="9525">
+                <a14:hiddenLine xmlns="" xmlns:a14="http://schemas.microsoft.com/office/drawing/2010/main" w="9525">
                   <a:solidFill>
                     <a:srgbClr val="000000"/>
                   </a:solidFill>
@@ -1789,7 +1789,7 @@
             </a:ln>
             <a:extLst>
               <a:ext uri="{91240B29-F687-4f45-9708-019B960494DF}">
-                <a14:hiddenLine xmlns:a14="http://schemas.microsoft.com/office/drawing/2010/main" xmlns="" w="9525">
+                <a14:hiddenLine xmlns="" xmlns:a14="http://schemas.microsoft.com/office/drawing/2010/main" w="9525">
                   <a:solidFill>
                     <a:srgbClr val="000000"/>
                   </a:solidFill>
@@ -1899,7 +1899,7 @@
             </a:ln>
             <a:extLst>
               <a:ext uri="{91240B29-F687-4f45-9708-019B960494DF}">
-                <a14:hiddenLine xmlns:a14="http://schemas.microsoft.com/office/drawing/2010/main" xmlns="" w="9525">
+                <a14:hiddenLine xmlns="" xmlns:a14="http://schemas.microsoft.com/office/drawing/2010/main" w="9525">
                   <a:solidFill>
                     <a:srgbClr val="000000"/>
                   </a:solidFill>
@@ -1961,7 +1961,7 @@
             </a:ln>
             <a:extLst>
               <a:ext uri="{91240B29-F687-4f45-9708-019B960494DF}">
-                <a14:hiddenLine xmlns:a14="http://schemas.microsoft.com/office/drawing/2010/main" xmlns="" w="9525">
+                <a14:hiddenLine xmlns="" xmlns:a14="http://schemas.microsoft.com/office/drawing/2010/main" w="9525">
                   <a:solidFill>
                     <a:srgbClr val="000000"/>
                   </a:solidFill>
@@ -2051,7 +2051,7 @@
             </a:ln>
             <a:extLst>
               <a:ext uri="{91240B29-F687-4f45-9708-019B960494DF}">
-                <a14:hiddenLine xmlns:a14="http://schemas.microsoft.com/office/drawing/2010/main" xmlns="" w="9525">
+                <a14:hiddenLine xmlns="" xmlns:a14="http://schemas.microsoft.com/office/drawing/2010/main" w="9525">
                   <a:solidFill>
                     <a:srgbClr val="000000"/>
                   </a:solidFill>
@@ -2141,7 +2141,7 @@
             </a:ln>
             <a:extLst>
               <a:ext uri="{91240B29-F687-4f45-9708-019B960494DF}">
-                <a14:hiddenLine xmlns:a14="http://schemas.microsoft.com/office/drawing/2010/main" xmlns="" w="9525">
+                <a14:hiddenLine xmlns="" xmlns:a14="http://schemas.microsoft.com/office/drawing/2010/main" w="9525">
                   <a:solidFill>
                     <a:srgbClr val="000000"/>
                   </a:solidFill>
@@ -2203,7 +2203,7 @@
             </a:ln>
             <a:extLst>
               <a:ext uri="{91240B29-F687-4f45-9708-019B960494DF}">
-                <a14:hiddenLine xmlns:a14="http://schemas.microsoft.com/office/drawing/2010/main" xmlns="" w="9525">
+                <a14:hiddenLine xmlns="" xmlns:a14="http://schemas.microsoft.com/office/drawing/2010/main" w="9525">
                   <a:solidFill>
                     <a:srgbClr val="000000"/>
                   </a:solidFill>
@@ -2293,7 +2293,7 @@
             </a:ln>
             <a:extLst>
               <a:ext uri="{91240B29-F687-4f45-9708-019B960494DF}">
-                <a14:hiddenLine xmlns:a14="http://schemas.microsoft.com/office/drawing/2010/main" xmlns="" w="9525">
+                <a14:hiddenLine xmlns="" xmlns:a14="http://schemas.microsoft.com/office/drawing/2010/main" w="9525">
                   <a:solidFill>
                     <a:srgbClr val="000000"/>
                   </a:solidFill>
@@ -2383,7 +2383,7 @@
             </a:ln>
             <a:extLst>
               <a:ext uri="{91240B29-F687-4f45-9708-019B960494DF}">
-                <a14:hiddenLine xmlns:a14="http://schemas.microsoft.com/office/drawing/2010/main" xmlns="" w="9525">
+                <a14:hiddenLine xmlns="" xmlns:a14="http://schemas.microsoft.com/office/drawing/2010/main" w="9525">
                   <a:solidFill>
                     <a:srgbClr val="000000"/>
                   </a:solidFill>
@@ -2439,7 +2439,7 @@
             </a:ln>
             <a:extLst>
               <a:ext uri="{91240B29-F687-4f45-9708-019B960494DF}">
-                <a14:hiddenLine xmlns:a14="http://schemas.microsoft.com/office/drawing/2010/main" xmlns="" w="9525">
+                <a14:hiddenLine xmlns="" xmlns:a14="http://schemas.microsoft.com/office/drawing/2010/main" w="9525">
                   <a:solidFill>
                     <a:srgbClr val="000000"/>
                   </a:solidFill>
@@ -2529,7 +2529,7 @@
             </a:ln>
             <a:extLst>
               <a:ext uri="{91240B29-F687-4f45-9708-019B960494DF}">
-                <a14:hiddenLine xmlns:a14="http://schemas.microsoft.com/office/drawing/2010/main" xmlns="" w="9525">
+                <a14:hiddenLine xmlns="" xmlns:a14="http://schemas.microsoft.com/office/drawing/2010/main" w="9525">
                   <a:solidFill>
                     <a:srgbClr val="000000"/>
                   </a:solidFill>
@@ -2585,7 +2585,7 @@
             </a:ln>
             <a:extLst>
               <a:ext uri="{91240B29-F687-4f45-9708-019B960494DF}">
-                <a14:hiddenLine xmlns:a14="http://schemas.microsoft.com/office/drawing/2010/main" xmlns="" w="9525">
+                <a14:hiddenLine xmlns="" xmlns:a14="http://schemas.microsoft.com/office/drawing/2010/main" w="9525">
                   <a:solidFill>
                     <a:srgbClr val="000000"/>
                   </a:solidFill>
@@ -2675,7 +2675,7 @@
             </a:ln>
             <a:extLst>
               <a:ext uri="{91240B29-F687-4f45-9708-019B960494DF}">
-                <a14:hiddenLine xmlns:a14="http://schemas.microsoft.com/office/drawing/2010/main" xmlns="" w="9525">
+                <a14:hiddenLine xmlns="" xmlns:a14="http://schemas.microsoft.com/office/drawing/2010/main" w="9525">
                   <a:solidFill>
                     <a:srgbClr val="000000"/>
                   </a:solidFill>
@@ -2743,7 +2743,7 @@
             </a:ln>
             <a:extLst>
               <a:ext uri="{91240B29-F687-4f45-9708-019B960494DF}">
-                <a14:hiddenLine xmlns:a14="http://schemas.microsoft.com/office/drawing/2010/main" xmlns="" w="9525">
+                <a14:hiddenLine xmlns="" xmlns:a14="http://schemas.microsoft.com/office/drawing/2010/main" w="9525">
                   <a:solidFill>
                     <a:srgbClr val="000000"/>
                   </a:solidFill>
@@ -2833,7 +2833,7 @@
             </a:ln>
             <a:extLst>
               <a:ext uri="{91240B29-F687-4f45-9708-019B960494DF}">
-                <a14:hiddenLine xmlns:a14="http://schemas.microsoft.com/office/drawing/2010/main" xmlns="" w="9525">
+                <a14:hiddenLine xmlns="" xmlns:a14="http://schemas.microsoft.com/office/drawing/2010/main" w="9525">
                   <a:solidFill>
                     <a:srgbClr val="000000"/>
                   </a:solidFill>
@@ -2901,7 +2901,7 @@
             </a:ln>
             <a:extLst>
               <a:ext uri="{91240B29-F687-4f45-9708-019B960494DF}">
-                <a14:hiddenLine xmlns:a14="http://schemas.microsoft.com/office/drawing/2010/main" xmlns="" w="9525">
+                <a14:hiddenLine xmlns="" xmlns:a14="http://schemas.microsoft.com/office/drawing/2010/main" w="9525">
                   <a:solidFill>
                     <a:srgbClr val="000000"/>
                   </a:solidFill>
@@ -2991,7 +2991,7 @@
             </a:ln>
             <a:extLst>
               <a:ext uri="{91240B29-F687-4f45-9708-019B960494DF}">
-                <a14:hiddenLine xmlns:a14="http://schemas.microsoft.com/office/drawing/2010/main" xmlns="" w="9525">
+                <a14:hiddenLine xmlns="" xmlns:a14="http://schemas.microsoft.com/office/drawing/2010/main" w="9525">
                   <a:solidFill>
                     <a:srgbClr val="000000"/>
                   </a:solidFill>
@@ -3025,7 +3025,7 @@
             </a:ln>
             <a:extLst>
               <a:ext uri="{91240B29-F687-4f45-9708-019B960494DF}">
-                <a14:hiddenLine xmlns:a14="http://schemas.microsoft.com/office/drawing/2010/main" xmlns="" w="9525">
+                <a14:hiddenLine xmlns="" xmlns:a14="http://schemas.microsoft.com/office/drawing/2010/main" w="9525">
                   <a:solidFill>
                     <a:srgbClr val="000000"/>
                   </a:solidFill>
@@ -3115,7 +3115,7 @@
             </a:ln>
             <a:extLst>
               <a:ext uri="{91240B29-F687-4f45-9708-019B960494DF}">
-                <a14:hiddenLine xmlns:a14="http://schemas.microsoft.com/office/drawing/2010/main" xmlns="" w="9525">
+                <a14:hiddenLine xmlns="" xmlns:a14="http://schemas.microsoft.com/office/drawing/2010/main" w="9525">
                   <a:solidFill>
                     <a:srgbClr val="000000"/>
                   </a:solidFill>
@@ -3177,7 +3177,7 @@
             </a:ln>
             <a:extLst>
               <a:ext uri="{91240B29-F687-4f45-9708-019B960494DF}">
-                <a14:hiddenLine xmlns:a14="http://schemas.microsoft.com/office/drawing/2010/main" xmlns="" w="9525">
+                <a14:hiddenLine xmlns="" xmlns:a14="http://schemas.microsoft.com/office/drawing/2010/main" w="9525">
                   <a:solidFill>
                     <a:srgbClr val="000000"/>
                   </a:solidFill>
@@ -3239,7 +3239,7 @@
             </a:ln>
             <a:extLst>
               <a:ext uri="{91240B29-F687-4f45-9708-019B960494DF}">
-                <a14:hiddenLine xmlns:a14="http://schemas.microsoft.com/office/drawing/2010/main" xmlns="" w="9525">
+                <a14:hiddenLine xmlns="" xmlns:a14="http://schemas.microsoft.com/office/drawing/2010/main" w="9525">
                   <a:solidFill>
                     <a:srgbClr val="000000"/>
                   </a:solidFill>
@@ -3329,7 +3329,7 @@
             </a:ln>
             <a:extLst>
               <a:ext uri="{91240B29-F687-4f45-9708-019B960494DF}">
-                <a14:hiddenLine xmlns:a14="http://schemas.microsoft.com/office/drawing/2010/main" xmlns="" w="9525">
+                <a14:hiddenLine xmlns="" xmlns:a14="http://schemas.microsoft.com/office/drawing/2010/main" w="9525">
                   <a:solidFill>
                     <a:srgbClr val="000000"/>
                   </a:solidFill>
@@ -3397,7 +3397,7 @@
             </a:ln>
             <a:extLst>
               <a:ext uri="{91240B29-F687-4f45-9708-019B960494DF}">
-                <a14:hiddenLine xmlns:a14="http://schemas.microsoft.com/office/drawing/2010/main" xmlns="" w="9525">
+                <a14:hiddenLine xmlns="" xmlns:a14="http://schemas.microsoft.com/office/drawing/2010/main" w="9525">
                   <a:solidFill>
                     <a:srgbClr val="000000"/>
                   </a:solidFill>
@@ -3459,7 +3459,7 @@
             </a:ln>
             <a:extLst>
               <a:ext uri="{91240B29-F687-4f45-9708-019B960494DF}">
-                <a14:hiddenLine xmlns:a14="http://schemas.microsoft.com/office/drawing/2010/main" xmlns="" w="9525">
+                <a14:hiddenLine xmlns="" xmlns:a14="http://schemas.microsoft.com/office/drawing/2010/main" w="9525">
                   <a:solidFill>
                     <a:srgbClr val="000000"/>
                   </a:solidFill>
@@ -3549,7 +3549,7 @@
             </a:ln>
             <a:extLst>
               <a:ext uri="{91240B29-F687-4f45-9708-019B960494DF}">
-                <a14:hiddenLine xmlns:a14="http://schemas.microsoft.com/office/drawing/2010/main" xmlns="" w="9525">
+                <a14:hiddenLine xmlns="" xmlns:a14="http://schemas.microsoft.com/office/drawing/2010/main" w="9525">
                   <a:solidFill>
                     <a:srgbClr val="000000"/>
                   </a:solidFill>
@@ -3611,7 +3611,7 @@
             </a:ln>
             <a:extLst>
               <a:ext uri="{91240B29-F687-4f45-9708-019B960494DF}">
-                <a14:hiddenLine xmlns:a14="http://schemas.microsoft.com/office/drawing/2010/main" xmlns="" w="9525">
+                <a14:hiddenLine xmlns="" xmlns:a14="http://schemas.microsoft.com/office/drawing/2010/main" w="9525">
                   <a:solidFill>
                     <a:srgbClr val="000000"/>
                   </a:solidFill>
@@ -3701,7 +3701,7 @@
             </a:ln>
             <a:extLst>
               <a:ext uri="{91240B29-F687-4f45-9708-019B960494DF}">
-                <a14:hiddenLine xmlns:a14="http://schemas.microsoft.com/office/drawing/2010/main" xmlns="" w="9525">
+                <a14:hiddenLine xmlns="" xmlns:a14="http://schemas.microsoft.com/office/drawing/2010/main" w="9525">
                   <a:solidFill>
                     <a:srgbClr val="000000"/>
                   </a:solidFill>
@@ -3763,7 +3763,7 @@
             </a:ln>
             <a:extLst>
               <a:ext uri="{91240B29-F687-4f45-9708-019B960494DF}">
-                <a14:hiddenLine xmlns:a14="http://schemas.microsoft.com/office/drawing/2010/main" xmlns="" w="9525">
+                <a14:hiddenLine xmlns="" xmlns:a14="http://schemas.microsoft.com/office/drawing/2010/main" w="9525">
                   <a:solidFill>
                     <a:srgbClr val="000000"/>
                   </a:solidFill>
@@ -3853,7 +3853,7 @@
             </a:ln>
             <a:extLst>
               <a:ext uri="{91240B29-F687-4f45-9708-019B960494DF}">
-                <a14:hiddenLine xmlns:a14="http://schemas.microsoft.com/office/drawing/2010/main" xmlns="" w="9525">
+                <a14:hiddenLine xmlns="" xmlns:a14="http://schemas.microsoft.com/office/drawing/2010/main" w="9525">
                   <a:solidFill>
                     <a:srgbClr val="000000"/>
                   </a:solidFill>
@@ -3887,7 +3887,7 @@
             </a:ln>
             <a:extLst>
               <a:ext uri="{91240B29-F687-4f45-9708-019B960494DF}">
-                <a14:hiddenLine xmlns:a14="http://schemas.microsoft.com/office/drawing/2010/main" xmlns="" w="9525">
+                <a14:hiddenLine xmlns="" xmlns:a14="http://schemas.microsoft.com/office/drawing/2010/main" w="9525">
                   <a:solidFill>
                     <a:srgbClr val="000000"/>
                   </a:solidFill>
@@ -3952,7 +3952,7 @@
             </a:ln>
             <a:extLst>
               <a:ext uri="{91240B29-F687-4f45-9708-019B960494DF}">
-                <a14:hiddenLine xmlns:a14="http://schemas.microsoft.com/office/drawing/2010/main" xmlns="" w="9525">
+                <a14:hiddenLine xmlns="" xmlns:a14="http://schemas.microsoft.com/office/drawing/2010/main" w="9525">
                   <a:solidFill>
                     <a:srgbClr val="000000"/>
                   </a:solidFill>
@@ -4042,7 +4042,7 @@
             </a:ln>
             <a:extLst>
               <a:ext uri="{91240B29-F687-4f45-9708-019B960494DF}">
-                <a14:hiddenLine xmlns:a14="http://schemas.microsoft.com/office/drawing/2010/main" xmlns="" w="9525">
+                <a14:hiddenLine xmlns="" xmlns:a14="http://schemas.microsoft.com/office/drawing/2010/main" w="9525">
                   <a:solidFill>
                     <a:srgbClr val="000000"/>
                   </a:solidFill>
@@ -4104,7 +4104,7 @@
             </a:ln>
             <a:extLst>
               <a:ext uri="{91240B29-F687-4f45-9708-019B960494DF}">
-                <a14:hiddenLine xmlns:a14="http://schemas.microsoft.com/office/drawing/2010/main" xmlns="" w="9525">
+                <a14:hiddenLine xmlns="" xmlns:a14="http://schemas.microsoft.com/office/drawing/2010/main" w="9525">
                   <a:solidFill>
                     <a:srgbClr val="000000"/>
                   </a:solidFill>
@@ -4194,7 +4194,7 @@
             </a:ln>
             <a:extLst>
               <a:ext uri="{91240B29-F687-4f45-9708-019B960494DF}">
-                <a14:hiddenLine xmlns:a14="http://schemas.microsoft.com/office/drawing/2010/main" xmlns="" w="9525">
+                <a14:hiddenLine xmlns="" xmlns:a14="http://schemas.microsoft.com/office/drawing/2010/main" w="9525">
                   <a:solidFill>
                     <a:srgbClr val="000000"/>
                   </a:solidFill>
@@ -4284,7 +4284,7 @@
             </a:ln>
             <a:extLst>
               <a:ext uri="{91240B29-F687-4f45-9708-019B960494DF}">
-                <a14:hiddenLine xmlns:a14="http://schemas.microsoft.com/office/drawing/2010/main" xmlns="" w="9525">
+                <a14:hiddenLine xmlns="" xmlns:a14="http://schemas.microsoft.com/office/drawing/2010/main" w="9525">
                   <a:solidFill>
                     <a:srgbClr val="000000"/>
                   </a:solidFill>
@@ -4349,7 +4349,7 @@
             </a:ln>
             <a:extLst>
               <a:ext uri="{91240B29-F687-4f45-9708-019B960494DF}">
-                <a14:hiddenLine xmlns:a14="http://schemas.microsoft.com/office/drawing/2010/main" xmlns="" w="9525">
+                <a14:hiddenLine xmlns="" xmlns:a14="http://schemas.microsoft.com/office/drawing/2010/main" w="9525">
                   <a:solidFill>
                     <a:srgbClr val="000000"/>
                   </a:solidFill>
@@ -4411,7 +4411,7 @@
             </a:ln>
             <a:extLst>
               <a:ext uri="{91240B29-F687-4f45-9708-019B960494DF}">
-                <a14:hiddenLine xmlns:a14="http://schemas.microsoft.com/office/drawing/2010/main" xmlns="" w="9525">
+                <a14:hiddenLine xmlns="" xmlns:a14="http://schemas.microsoft.com/office/drawing/2010/main" w="9525">
                   <a:solidFill>
                     <a:srgbClr val="000000"/>
                   </a:solidFill>
@@ -4501,7 +4501,7 @@
             </a:ln>
             <a:extLst>
               <a:ext uri="{91240B29-F687-4f45-9708-019B960494DF}">
-                <a14:hiddenLine xmlns:a14="http://schemas.microsoft.com/office/drawing/2010/main" xmlns="" w="9525">
+                <a14:hiddenLine xmlns="" xmlns:a14="http://schemas.microsoft.com/office/drawing/2010/main" w="9525">
                   <a:solidFill>
                     <a:srgbClr val="000000"/>
                   </a:solidFill>
@@ -4591,7 +4591,7 @@
             </a:ln>
             <a:extLst>
               <a:ext uri="{91240B29-F687-4f45-9708-019B960494DF}">
-                <a14:hiddenLine xmlns:a14="http://schemas.microsoft.com/office/drawing/2010/main" xmlns="" w="9525">
+                <a14:hiddenLine xmlns="" xmlns:a14="http://schemas.microsoft.com/office/drawing/2010/main" w="9525">
                   <a:solidFill>
                     <a:srgbClr val="000000"/>
                   </a:solidFill>
@@ -4653,7 +4653,7 @@
             </a:ln>
             <a:extLst>
               <a:ext uri="{91240B29-F687-4f45-9708-019B960494DF}">
-                <a14:hiddenLine xmlns:a14="http://schemas.microsoft.com/office/drawing/2010/main" xmlns="" w="9525">
+                <a14:hiddenLine xmlns="" xmlns:a14="http://schemas.microsoft.com/office/drawing/2010/main" w="9525">
                   <a:solidFill>
                     <a:srgbClr val="000000"/>
                   </a:solidFill>
@@ -4773,7 +4773,7 @@
             </a:ln>
             <a:extLst>
               <a:ext uri="{91240B29-F687-4f45-9708-019B960494DF}">
-                <a14:hiddenLine xmlns:a14="http://schemas.microsoft.com/office/drawing/2010/main" xmlns="" w="9525">
+                <a14:hiddenLine xmlns="" xmlns:a14="http://schemas.microsoft.com/office/drawing/2010/main" w="9525">
                   <a:solidFill>
                     <a:srgbClr val="000000"/>
                   </a:solidFill>
@@ -4841,7 +4841,7 @@
             </a:ln>
             <a:extLst>
               <a:ext uri="{91240B29-F687-4f45-9708-019B960494DF}">
-                <a14:hiddenLine xmlns:a14="http://schemas.microsoft.com/office/drawing/2010/main" xmlns="" w="9525">
+                <a14:hiddenLine xmlns="" xmlns:a14="http://schemas.microsoft.com/office/drawing/2010/main" w="9525">
                   <a:solidFill>
                     <a:srgbClr val="000000"/>
                   </a:solidFill>
@@ -4931,7 +4931,7 @@
             </a:ln>
             <a:extLst>
               <a:ext uri="{91240B29-F687-4f45-9708-019B960494DF}">
-                <a14:hiddenLine xmlns:a14="http://schemas.microsoft.com/office/drawing/2010/main" xmlns="" w="9525">
+                <a14:hiddenLine xmlns="" xmlns:a14="http://schemas.microsoft.com/office/drawing/2010/main" w="9525">
                   <a:solidFill>
                     <a:srgbClr val="000000"/>
                   </a:solidFill>
@@ -5071,7 +5071,7 @@
           <a:p>
             <a:fld id="{5C5881A0-21D8-440F-B7CA-637E1BE3F474}" type="datetime1">
               <a:rPr lang="en-US" smtClean="0"/>
-              <a:t>6/10/2025</a:t>
+              <a:t>6/11/2025</a:t>
             </a:fld>
             <a:endParaRPr lang="en-US"/>
           </a:p>
@@ -5357,7 +5357,7 @@
           <a:p>
             <a:fld id="{BC3EA0A3-E0A2-4C4F-8946-A013BE9711E7}" type="datetime1">
               <a:rPr lang="en-US" smtClean="0"/>
-              <a:t>6/10/2025</a:t>
+              <a:t>6/11/2025</a:t>
             </a:fld>
             <a:endParaRPr lang="en-US"/>
           </a:p>
@@ -5556,7 +5556,7 @@
           <a:p>
             <a:fld id="{4757CF9B-AE7B-4DD7-B944-91648BFBD57B}" type="datetime1">
               <a:rPr lang="en-US" smtClean="0"/>
-              <a:t>6/10/2025</a:t>
+              <a:t>6/11/2025</a:t>
             </a:fld>
             <a:endParaRPr lang="en-US"/>
           </a:p>
@@ -5822,7 +5822,7 @@
           <a:p>
             <a:fld id="{2A004FCB-0117-4BC5-843B-B8B43E431CA2}" type="datetime1">
               <a:rPr lang="en-US" smtClean="0"/>
-              <a:t>6/10/2025</a:t>
+              <a:t>6/11/2025</a:t>
             </a:fld>
             <a:endParaRPr lang="en-US"/>
           </a:p>
@@ -6259,7 +6259,7 @@
           <a:p>
             <a:fld id="{69E4527C-CA9F-4A6F-BCCD-C9AD8360B03A}" type="datetime1">
               <a:rPr lang="en-US" smtClean="0"/>
-              <a:t>6/10/2025</a:t>
+              <a:t>6/11/2025</a:t>
             </a:fld>
             <a:endParaRPr lang="en-US"/>
           </a:p>
@@ -6808,7 +6808,7 @@
           <a:p>
             <a:fld id="{319E2C5F-47ED-4B9D-A504-36A49DC7461A}" type="datetime1">
               <a:rPr lang="en-US" smtClean="0"/>
-              <a:t>6/10/2025</a:t>
+              <a:t>6/11/2025</a:t>
             </a:fld>
             <a:endParaRPr lang="en-US"/>
           </a:p>
@@ -7531,7 +7531,7 @@
           <a:p>
             <a:fld id="{6933C42D-69DE-4A73-BC52-FEC22232F886}" type="datetime1">
               <a:rPr lang="en-US" smtClean="0"/>
-              <a:t>6/10/2025</a:t>
+              <a:t>6/11/2025</a:t>
             </a:fld>
             <a:endParaRPr lang="en-US"/>
           </a:p>
@@ -7704,7 +7704,7 @@
           <a:p>
             <a:fld id="{11663D05-DED8-4E3E-848A-41077FC85CF0}" type="datetime1">
               <a:rPr lang="en-US" smtClean="0"/>
-              <a:t>6/10/2025</a:t>
+              <a:t>6/11/2025</a:t>
             </a:fld>
             <a:endParaRPr lang="en-US"/>
           </a:p>
@@ -7887,7 +7887,7 @@
           <a:p>
             <a:fld id="{8A53CB9F-133E-42E8-B6C3-A10809AEF763}" type="datetime1">
               <a:rPr lang="en-US" smtClean="0"/>
-              <a:t>6/10/2025</a:t>
+              <a:t>6/11/2025</a:t>
             </a:fld>
             <a:endParaRPr lang="en-US"/>
           </a:p>
@@ -8060,7 +8060,7 @@
           <a:p>
             <a:fld id="{D4223D3C-287F-4B2B-A3B4-1198AA3AFEB6}" type="datetime1">
               <a:rPr lang="en-US" smtClean="0"/>
-              <a:t>6/10/2025</a:t>
+              <a:t>6/11/2025</a:t>
             </a:fld>
             <a:endParaRPr lang="en-US"/>
           </a:p>
@@ -8329,7 +8329,7 @@
           <a:p>
             <a:fld id="{F11CDA45-96AD-4FD9-9085-20FEA09978A0}" type="datetime1">
               <a:rPr lang="en-US" smtClean="0"/>
-              <a:t>6/10/2025</a:t>
+              <a:t>6/11/2025</a:t>
             </a:fld>
             <a:endParaRPr lang="en-US"/>
           </a:p>
@@ -8564,7 +8564,7 @@
           <a:p>
             <a:fld id="{DA72FD13-8C18-49E0-9DBA-765DC3631146}" type="datetime1">
               <a:rPr lang="en-US" smtClean="0"/>
-              <a:t>6/10/2025</a:t>
+              <a:t>6/11/2025</a:t>
             </a:fld>
             <a:endParaRPr lang="en-US"/>
           </a:p>
@@ -8948,7 +8948,7 @@
           <a:p>
             <a:fld id="{39C7076C-C52F-43F5-9E87-7533E1A365A5}" type="datetime1">
               <a:rPr lang="en-US" smtClean="0"/>
-              <a:t>6/10/2025</a:t>
+              <a:t>6/11/2025</a:t>
             </a:fld>
             <a:endParaRPr lang="en-US"/>
           </a:p>
@@ -9069,7 +9069,7 @@
           <a:p>
             <a:fld id="{4C5FC6B9-0326-4041-87C6-CC9B4D09E9B2}" type="datetime1">
               <a:rPr lang="en-US" smtClean="0"/>
-              <a:t>6/10/2025</a:t>
+              <a:t>6/11/2025</a:t>
             </a:fld>
             <a:endParaRPr lang="en-US"/>
           </a:p>
@@ -9167,7 +9167,7 @@
           <a:p>
             <a:fld id="{2009B48E-4018-421C-8E4A-2143C4708A62}" type="datetime1">
               <a:rPr lang="en-US" smtClean="0"/>
-              <a:t>6/10/2025</a:t>
+              <a:t>6/11/2025</a:t>
             </a:fld>
             <a:endParaRPr lang="en-US"/>
           </a:p>
@@ -9419,7 +9419,7 @@
           <a:p>
             <a:fld id="{FEA16C14-A338-4EE7-8280-3A9171A5173E}" type="datetime1">
               <a:rPr lang="en-US" smtClean="0"/>
-              <a:t>6/10/2025</a:t>
+              <a:t>6/11/2025</a:t>
             </a:fld>
             <a:endParaRPr lang="en-US"/>
           </a:p>
@@ -9702,7 +9702,7 @@
           <a:p>
             <a:fld id="{440AFF0A-4855-4AAC-9DA2-AA694DA5C05D}" type="datetime1">
               <a:rPr lang="en-US" smtClean="0"/>
-              <a:t>6/10/2025</a:t>
+              <a:t>6/11/2025</a:t>
             </a:fld>
             <a:endParaRPr lang="en-US"/>
           </a:p>
@@ -9828,7 +9828,7 @@
           <a:noFill/>
           <a:extLst>
             <a:ext uri="{909E8E84-426E-40dd-AFC4-6F175D3DCCD1}">
-              <a14:hiddenFill xmlns:a14="http://schemas.microsoft.com/office/drawing/2010/main" xmlns="">
+              <a14:hiddenFill xmlns="" xmlns:a14="http://schemas.microsoft.com/office/drawing/2010/main">
                 <a:solidFill>
                   <a:srgbClr val="FFFFFF"/>
                 </a:solidFill>
@@ -9902,7 +9902,7 @@
               </a:ln>
               <a:extLst>
                 <a:ext uri="{91240B29-F687-4f45-9708-019B960494DF}">
-                  <a14:hiddenLine xmlns:a14="http://schemas.microsoft.com/office/drawing/2010/main" xmlns="" w="9525">
+                  <a14:hiddenLine xmlns="" xmlns:a14="http://schemas.microsoft.com/office/drawing/2010/main" w="9525">
                     <a:solidFill>
                       <a:srgbClr val="000000"/>
                     </a:solidFill>
@@ -9992,7 +9992,7 @@
               </a:ln>
               <a:extLst>
                 <a:ext uri="{91240B29-F687-4f45-9708-019B960494DF}">
-                  <a14:hiddenLine xmlns:a14="http://schemas.microsoft.com/office/drawing/2010/main" xmlns="" w="9525">
+                  <a14:hiddenLine xmlns="" xmlns:a14="http://schemas.microsoft.com/office/drawing/2010/main" w="9525">
                     <a:solidFill>
                       <a:srgbClr val="000000"/>
                     </a:solidFill>
@@ -10082,7 +10082,7 @@
               </a:ln>
               <a:extLst>
                 <a:ext uri="{91240B29-F687-4f45-9708-019B960494DF}">
-                  <a14:hiddenLine xmlns:a14="http://schemas.microsoft.com/office/drawing/2010/main" xmlns="" w="9525">
+                  <a14:hiddenLine xmlns="" xmlns:a14="http://schemas.microsoft.com/office/drawing/2010/main" w="9525">
                     <a:solidFill>
                       <a:srgbClr val="000000"/>
                     </a:solidFill>
@@ -10144,7 +10144,7 @@
               </a:ln>
               <a:extLst>
                 <a:ext uri="{91240B29-F687-4f45-9708-019B960494DF}">
-                  <a14:hiddenLine xmlns:a14="http://schemas.microsoft.com/office/drawing/2010/main" xmlns="" w="9525">
+                  <a14:hiddenLine xmlns="" xmlns:a14="http://schemas.microsoft.com/office/drawing/2010/main" w="9525">
                     <a:solidFill>
                       <a:srgbClr val="000000"/>
                     </a:solidFill>
@@ -10234,7 +10234,7 @@
               </a:ln>
               <a:extLst>
                 <a:ext uri="{91240B29-F687-4f45-9708-019B960494DF}">
-                  <a14:hiddenLine xmlns:a14="http://schemas.microsoft.com/office/drawing/2010/main" xmlns="" w="9525">
+                  <a14:hiddenLine xmlns="" xmlns:a14="http://schemas.microsoft.com/office/drawing/2010/main" w="9525">
                     <a:solidFill>
                       <a:srgbClr val="000000"/>
                     </a:solidFill>
@@ -10296,7 +10296,7 @@
               </a:ln>
               <a:extLst>
                 <a:ext uri="{91240B29-F687-4f45-9708-019B960494DF}">
-                  <a14:hiddenLine xmlns:a14="http://schemas.microsoft.com/office/drawing/2010/main" xmlns="" w="9525">
+                  <a14:hiddenLine xmlns="" xmlns:a14="http://schemas.microsoft.com/office/drawing/2010/main" w="9525">
                     <a:solidFill>
                       <a:srgbClr val="000000"/>
                     </a:solidFill>
@@ -10358,7 +10358,7 @@
               </a:ln>
               <a:extLst>
                 <a:ext uri="{91240B29-F687-4f45-9708-019B960494DF}">
-                  <a14:hiddenLine xmlns:a14="http://schemas.microsoft.com/office/drawing/2010/main" xmlns="" w="9525">
+                  <a14:hiddenLine xmlns="" xmlns:a14="http://schemas.microsoft.com/office/drawing/2010/main" w="9525">
                     <a:solidFill>
                       <a:srgbClr val="000000"/>
                     </a:solidFill>
@@ -10448,7 +10448,7 @@
               </a:ln>
               <a:extLst>
                 <a:ext uri="{91240B29-F687-4f45-9708-019B960494DF}">
-                  <a14:hiddenLine xmlns:a14="http://schemas.microsoft.com/office/drawing/2010/main" xmlns="" w="9525">
+                  <a14:hiddenLine xmlns="" xmlns:a14="http://schemas.microsoft.com/office/drawing/2010/main" w="9525">
                     <a:solidFill>
                       <a:srgbClr val="000000"/>
                     </a:solidFill>
@@ -10538,7 +10538,7 @@
               </a:ln>
               <a:extLst>
                 <a:ext uri="{91240B29-F687-4f45-9708-019B960494DF}">
-                  <a14:hiddenLine xmlns:a14="http://schemas.microsoft.com/office/drawing/2010/main" xmlns="" w="9525">
+                  <a14:hiddenLine xmlns="" xmlns:a14="http://schemas.microsoft.com/office/drawing/2010/main" w="9525">
                     <a:solidFill>
                       <a:srgbClr val="000000"/>
                     </a:solidFill>
@@ -10600,7 +10600,7 @@
               </a:ln>
               <a:extLst>
                 <a:ext uri="{91240B29-F687-4f45-9708-019B960494DF}">
-                  <a14:hiddenLine xmlns:a14="http://schemas.microsoft.com/office/drawing/2010/main" xmlns="" w="9525">
+                  <a14:hiddenLine xmlns="" xmlns:a14="http://schemas.microsoft.com/office/drawing/2010/main" w="9525">
                     <a:solidFill>
                       <a:srgbClr val="000000"/>
                     </a:solidFill>
@@ -10710,7 +10710,7 @@
               </a:ln>
               <a:extLst>
                 <a:ext uri="{91240B29-F687-4f45-9708-019B960494DF}">
-                  <a14:hiddenLine xmlns:a14="http://schemas.microsoft.com/office/drawing/2010/main" xmlns="" w="9525">
+                  <a14:hiddenLine xmlns="" xmlns:a14="http://schemas.microsoft.com/office/drawing/2010/main" w="9525">
                     <a:solidFill>
                       <a:srgbClr val="000000"/>
                     </a:solidFill>
@@ -10794,7 +10794,7 @@
               </a:ln>
               <a:extLst>
                 <a:ext uri="{91240B29-F687-4f45-9708-019B960494DF}">
-                  <a14:hiddenLine xmlns:a14="http://schemas.microsoft.com/office/drawing/2010/main" xmlns="" w="9525">
+                  <a14:hiddenLine xmlns="" xmlns:a14="http://schemas.microsoft.com/office/drawing/2010/main" w="9525">
                     <a:solidFill>
                       <a:srgbClr val="000000"/>
                     </a:solidFill>
@@ -10856,7 +10856,7 @@
               </a:ln>
               <a:extLst>
                 <a:ext uri="{91240B29-F687-4f45-9708-019B960494DF}">
-                  <a14:hiddenLine xmlns:a14="http://schemas.microsoft.com/office/drawing/2010/main" xmlns="" w="9525">
+                  <a14:hiddenLine xmlns="" xmlns:a14="http://schemas.microsoft.com/office/drawing/2010/main" w="9525">
                     <a:solidFill>
                       <a:srgbClr val="000000"/>
                     </a:solidFill>
@@ -10918,7 +10918,7 @@
               </a:ln>
               <a:extLst>
                 <a:ext uri="{91240B29-F687-4f45-9708-019B960494DF}">
-                  <a14:hiddenLine xmlns:a14="http://schemas.microsoft.com/office/drawing/2010/main" xmlns="" w="9525">
+                  <a14:hiddenLine xmlns="" xmlns:a14="http://schemas.microsoft.com/office/drawing/2010/main" w="9525">
                     <a:solidFill>
                       <a:srgbClr val="000000"/>
                     </a:solidFill>
@@ -11008,7 +11008,7 @@
               </a:ln>
               <a:extLst>
                 <a:ext uri="{91240B29-F687-4f45-9708-019B960494DF}">
-                  <a14:hiddenLine xmlns:a14="http://schemas.microsoft.com/office/drawing/2010/main" xmlns="" w="9525">
+                  <a14:hiddenLine xmlns="" xmlns:a14="http://schemas.microsoft.com/office/drawing/2010/main" w="9525">
                     <a:solidFill>
                       <a:srgbClr val="000000"/>
                     </a:solidFill>
@@ -11042,7 +11042,7 @@
               </a:ln>
               <a:extLst>
                 <a:ext uri="{91240B29-F687-4f45-9708-019B960494DF}">
-                  <a14:hiddenLine xmlns:a14="http://schemas.microsoft.com/office/drawing/2010/main" xmlns="" w="9525">
+                  <a14:hiddenLine xmlns="" xmlns:a14="http://schemas.microsoft.com/office/drawing/2010/main" w="9525">
                     <a:solidFill>
                       <a:srgbClr val="000000"/>
                     </a:solidFill>
@@ -11107,7 +11107,7 @@
               </a:ln>
               <a:extLst>
                 <a:ext uri="{91240B29-F687-4f45-9708-019B960494DF}">
-                  <a14:hiddenLine xmlns:a14="http://schemas.microsoft.com/office/drawing/2010/main" xmlns="" w="9525">
+                  <a14:hiddenLine xmlns="" xmlns:a14="http://schemas.microsoft.com/office/drawing/2010/main" w="9525">
                     <a:solidFill>
                       <a:srgbClr val="000000"/>
                     </a:solidFill>
@@ -11197,7 +11197,7 @@
               </a:ln>
               <a:extLst>
                 <a:ext uri="{91240B29-F687-4f45-9708-019B960494DF}">
-                  <a14:hiddenLine xmlns:a14="http://schemas.microsoft.com/office/drawing/2010/main" xmlns="" w="9525">
+                  <a14:hiddenLine xmlns="" xmlns:a14="http://schemas.microsoft.com/office/drawing/2010/main" w="9525">
                     <a:solidFill>
                       <a:srgbClr val="000000"/>
                     </a:solidFill>
@@ -11259,7 +11259,7 @@
               </a:ln>
               <a:extLst>
                 <a:ext uri="{91240B29-F687-4f45-9708-019B960494DF}">
-                  <a14:hiddenLine xmlns:a14="http://schemas.microsoft.com/office/drawing/2010/main" xmlns="" w="9525">
+                  <a14:hiddenLine xmlns="" xmlns:a14="http://schemas.microsoft.com/office/drawing/2010/main" w="9525">
                     <a:solidFill>
                       <a:srgbClr val="000000"/>
                     </a:solidFill>
@@ -11349,7 +11349,7 @@
               </a:ln>
               <a:extLst>
                 <a:ext uri="{91240B29-F687-4f45-9708-019B960494DF}">
-                  <a14:hiddenLine xmlns:a14="http://schemas.microsoft.com/office/drawing/2010/main" xmlns="" w="9525">
+                  <a14:hiddenLine xmlns="" xmlns:a14="http://schemas.microsoft.com/office/drawing/2010/main" w="9525">
                     <a:solidFill>
                       <a:srgbClr val="000000"/>
                     </a:solidFill>
@@ -11414,7 +11414,7 @@
               </a:ln>
               <a:extLst>
                 <a:ext uri="{91240B29-F687-4f45-9708-019B960494DF}">
-                  <a14:hiddenLine xmlns:a14="http://schemas.microsoft.com/office/drawing/2010/main" xmlns="" w="9525">
+                  <a14:hiddenLine xmlns="" xmlns:a14="http://schemas.microsoft.com/office/drawing/2010/main" w="9525">
                     <a:solidFill>
                       <a:srgbClr val="000000"/>
                     </a:solidFill>
@@ -11476,7 +11476,7 @@
               </a:ln>
               <a:extLst>
                 <a:ext uri="{91240B29-F687-4f45-9708-019B960494DF}">
-                  <a14:hiddenLine xmlns:a14="http://schemas.microsoft.com/office/drawing/2010/main" xmlns="" w="9525">
+                  <a14:hiddenLine xmlns="" xmlns:a14="http://schemas.microsoft.com/office/drawing/2010/main" w="9525">
                     <a:solidFill>
                       <a:srgbClr val="000000"/>
                     </a:solidFill>
@@ -11566,7 +11566,7 @@
               </a:ln>
               <a:extLst>
                 <a:ext uri="{91240B29-F687-4f45-9708-019B960494DF}">
-                  <a14:hiddenLine xmlns:a14="http://schemas.microsoft.com/office/drawing/2010/main" xmlns="" w="9525">
+                  <a14:hiddenLine xmlns="" xmlns:a14="http://schemas.microsoft.com/office/drawing/2010/main" w="9525">
                     <a:solidFill>
                       <a:srgbClr val="000000"/>
                     </a:solidFill>
@@ -11656,7 +11656,7 @@
               </a:ln>
               <a:extLst>
                 <a:ext uri="{91240B29-F687-4f45-9708-019B960494DF}">
-                  <a14:hiddenLine xmlns:a14="http://schemas.microsoft.com/office/drawing/2010/main" xmlns="" w="9525">
+                  <a14:hiddenLine xmlns="" xmlns:a14="http://schemas.microsoft.com/office/drawing/2010/main" w="9525">
                     <a:solidFill>
                       <a:srgbClr val="000000"/>
                     </a:solidFill>
@@ -11721,7 +11721,7 @@
               </a:ln>
               <a:extLst>
                 <a:ext uri="{91240B29-F687-4f45-9708-019B960494DF}">
-                  <a14:hiddenLine xmlns:a14="http://schemas.microsoft.com/office/drawing/2010/main" xmlns="" w="9525">
+                  <a14:hiddenLine xmlns="" xmlns:a14="http://schemas.microsoft.com/office/drawing/2010/main" w="9525">
                     <a:solidFill>
                       <a:srgbClr val="000000"/>
                     </a:solidFill>
@@ -11841,7 +11841,7 @@
               </a:ln>
               <a:extLst>
                 <a:ext uri="{91240B29-F687-4f45-9708-019B960494DF}">
-                  <a14:hiddenLine xmlns:a14="http://schemas.microsoft.com/office/drawing/2010/main" xmlns="" w="9525">
+                  <a14:hiddenLine xmlns="" xmlns:a14="http://schemas.microsoft.com/office/drawing/2010/main" w="9525">
                     <a:solidFill>
                       <a:srgbClr val="000000"/>
                     </a:solidFill>
@@ -11922,7 +11922,7 @@
               </a:ln>
               <a:extLst>
                 <a:ext uri="{91240B29-F687-4f45-9708-019B960494DF}">
-                  <a14:hiddenLine xmlns:a14="http://schemas.microsoft.com/office/drawing/2010/main" xmlns="" w="9525">
+                  <a14:hiddenLine xmlns="" xmlns:a14="http://schemas.microsoft.com/office/drawing/2010/main" w="9525">
                     <a:solidFill>
                       <a:srgbClr val="000000"/>
                     </a:solidFill>
@@ -12037,7 +12037,7 @@
               </a:ln>
               <a:extLst>
                 <a:ext uri="{91240B29-F687-4f45-9708-019B960494DF}">
-                  <a14:hiddenLine xmlns:a14="http://schemas.microsoft.com/office/drawing/2010/main" xmlns="" w="9525">
+                  <a14:hiddenLine xmlns="" xmlns:a14="http://schemas.microsoft.com/office/drawing/2010/main" w="9525">
                     <a:solidFill>
                       <a:srgbClr val="000000"/>
                     </a:solidFill>
@@ -12127,7 +12127,7 @@
               </a:ln>
               <a:extLst>
                 <a:ext uri="{91240B29-F687-4f45-9708-019B960494DF}">
-                  <a14:hiddenLine xmlns:a14="http://schemas.microsoft.com/office/drawing/2010/main" xmlns="" w="9525">
+                  <a14:hiddenLine xmlns="" xmlns:a14="http://schemas.microsoft.com/office/drawing/2010/main" w="9525">
                     <a:solidFill>
                       <a:srgbClr val="000000"/>
                     </a:solidFill>
@@ -12192,7 +12192,7 @@
               </a:ln>
               <a:extLst>
                 <a:ext uri="{91240B29-F687-4f45-9708-019B960494DF}">
-                  <a14:hiddenLine xmlns:a14="http://schemas.microsoft.com/office/drawing/2010/main" xmlns="" w="9525">
+                  <a14:hiddenLine xmlns="" xmlns:a14="http://schemas.microsoft.com/office/drawing/2010/main" w="9525">
                     <a:solidFill>
                       <a:srgbClr val="000000"/>
                     </a:solidFill>
@@ -12282,7 +12282,7 @@
               </a:ln>
               <a:extLst>
                 <a:ext uri="{91240B29-F687-4f45-9708-019B960494DF}">
-                  <a14:hiddenLine xmlns:a14="http://schemas.microsoft.com/office/drawing/2010/main" xmlns="" w="9525">
+                  <a14:hiddenLine xmlns="" xmlns:a14="http://schemas.microsoft.com/office/drawing/2010/main" w="9525">
                     <a:solidFill>
                       <a:srgbClr val="000000"/>
                     </a:solidFill>
@@ -12350,7 +12350,7 @@
               </a:ln>
               <a:extLst>
                 <a:ext uri="{91240B29-F687-4f45-9708-019B960494DF}">
-                  <a14:hiddenLine xmlns:a14="http://schemas.microsoft.com/office/drawing/2010/main" xmlns="" w="9525">
+                  <a14:hiddenLine xmlns="" xmlns:a14="http://schemas.microsoft.com/office/drawing/2010/main" w="9525">
                     <a:solidFill>
                       <a:srgbClr val="000000"/>
                     </a:solidFill>
@@ -12440,7 +12440,7 @@
               </a:ln>
               <a:extLst>
                 <a:ext uri="{91240B29-F687-4f45-9708-019B960494DF}">
-                  <a14:hiddenLine xmlns:a14="http://schemas.microsoft.com/office/drawing/2010/main" xmlns="" w="9525">
+                  <a14:hiddenLine xmlns="" xmlns:a14="http://schemas.microsoft.com/office/drawing/2010/main" w="9525">
                     <a:solidFill>
                       <a:srgbClr val="000000"/>
                     </a:solidFill>
@@ -12508,7 +12508,7 @@
               </a:ln>
               <a:extLst>
                 <a:ext uri="{91240B29-F687-4f45-9708-019B960494DF}">
-                  <a14:hiddenLine xmlns:a14="http://schemas.microsoft.com/office/drawing/2010/main" xmlns="" w="9525">
+                  <a14:hiddenLine xmlns="" xmlns:a14="http://schemas.microsoft.com/office/drawing/2010/main" w="9525">
                     <a:solidFill>
                       <a:srgbClr val="000000"/>
                     </a:solidFill>
@@ -12598,7 +12598,7 @@
               </a:ln>
               <a:extLst>
                 <a:ext uri="{91240B29-F687-4f45-9708-019B960494DF}">
-                  <a14:hiddenLine xmlns:a14="http://schemas.microsoft.com/office/drawing/2010/main" xmlns="" w="9525">
+                  <a14:hiddenLine xmlns="" xmlns:a14="http://schemas.microsoft.com/office/drawing/2010/main" w="9525">
                     <a:solidFill>
                       <a:srgbClr val="000000"/>
                     </a:solidFill>
@@ -12632,7 +12632,7 @@
               </a:ln>
               <a:extLst>
                 <a:ext uri="{91240B29-F687-4f45-9708-019B960494DF}">
-                  <a14:hiddenLine xmlns:a14="http://schemas.microsoft.com/office/drawing/2010/main" xmlns="" w="9525">
+                  <a14:hiddenLine xmlns="" xmlns:a14="http://schemas.microsoft.com/office/drawing/2010/main" w="9525">
                     <a:solidFill>
                       <a:srgbClr val="000000"/>
                     </a:solidFill>
@@ -12772,7 +12772,7 @@
           <a:p>
             <a:fld id="{D430F30A-C5E9-450B-BF8A-B138B8760FA4}" type="datetime1">
               <a:rPr lang="en-US" smtClean="0"/>
-              <a:t>6/10/2025</a:t>
+              <a:t>6/11/2025</a:t>
             </a:fld>
             <a:endParaRPr lang="en-US"/>
           </a:p>
@@ -42704,10 +42704,10 @@
       </p:pic>
       <p:sp>
         <p:nvSpPr>
-          <p:cNvPr id="7" name="TextBox 6">
+          <p:cNvPr id="8" name="TextBox 7">
             <a:extLst>
               <a:ext uri="{FF2B5EF4-FFF2-40B4-BE49-F238E27FC236}">
-                <a16:creationId xmlns:a16="http://schemas.microsoft.com/office/drawing/2014/main" id="{0A2DE1B6-F894-4C8D-9946-FC0DF61E13C0}"/>
+                <a16:creationId xmlns:a16="http://schemas.microsoft.com/office/drawing/2014/main" id="{1BE0998F-3662-49F9-A8E4-58B8FE43901E}"/>
               </a:ext>
             </a:extLst>
           </p:cNvPr>
@@ -42717,7 +42717,7 @@
         <p:spPr>
           <a:xfrm>
             <a:off x="1217611" y="1895563"/>
-            <a:ext cx="3963989" cy="4247317"/>
+            <a:ext cx="4307426" cy="4247317"/>
           </a:xfrm>
           <a:prstGeom prst="rect">
             <a:avLst/>
@@ -42753,7 +42753,15 @@
             </a:pPr>
             <a:r>
               <a:rPr lang="cs-CZ" dirty="0"/>
-              <a:t>Je nutno podotknout že registry jsou umístěny v ALU pouze pro jednoduchost a jsou zde vyobrazeny pouze dva. </a:t>
+              <a:t>Je nutno podotknout že registry jsou umístěny v ALU pouze pro jednoduchost a jsou zde vyobrazeny pouze dva</a:t>
+            </a:r>
+            <a:r>
+              <a:rPr lang="en-US" dirty="0"/>
+              <a:t> a </a:t>
+            </a:r>
+            <a:r>
+              <a:rPr lang="cs-CZ" dirty="0"/>
+              <a:t>že již v OP jsou instrukce v podobě strojového kódu. </a:t>
             </a:r>
           </a:p>
           <a:p>
@@ -43531,7 +43539,7 @@
         <p:spPr>
           <a:xfrm>
             <a:off x="1217612" y="1895563"/>
-            <a:ext cx="3566056" cy="3416320"/>
+            <a:ext cx="3566056" cy="2862322"/>
           </a:xfrm>
           <a:prstGeom prst="rect">
             <a:avLst/>
@@ -43550,7 +43558,15 @@
             </a:pPr>
             <a:r>
               <a:rPr lang="cs-CZ" dirty="0"/>
-              <a:t>Tato instrukce se dále dekóduje na strojový kód, zde reprezentován hexadecimálním číslem a předá se do ALU.</a:t>
+              <a:t>Tato instrukce se dále dekóduje</a:t>
+            </a:r>
+            <a:r>
+              <a:rPr lang="en-US" dirty="0"/>
+              <a:t> </a:t>
+            </a:r>
+            <a:r>
+              <a:rPr lang="cs-CZ" dirty="0"/>
+              <a:t>a „předá“ se do ALU.</a:t>
             </a:r>
           </a:p>
           <a:p>
